--- a/허종원/Process and Status.pptx
+++ b/허종원/Process and Status.pptx
@@ -2975,7 +2975,7 @@
         </p:nvSpPr>
         <p:spPr>
           <a:xfrm>
-            <a:off x="379383" y="1411549"/>
+            <a:off x="379383" y="1444207"/>
             <a:ext cx="902811" cy="523220"/>
           </a:xfrm>
           <a:prstGeom prst="rect">
@@ -3027,7 +3027,7 @@
         </p:nvSpPr>
         <p:spPr>
           <a:xfrm>
-            <a:off x="1740195" y="1549374"/>
+            <a:off x="1740195" y="1582032"/>
             <a:ext cx="903355" cy="903355"/>
           </a:xfrm>
           <a:prstGeom prst="ellipse">
@@ -3076,7 +3076,7 @@
         </p:nvSpPr>
         <p:spPr>
           <a:xfrm>
-            <a:off x="4660767" y="1549374"/>
+            <a:off x="4660767" y="1582032"/>
             <a:ext cx="903355" cy="903355"/>
           </a:xfrm>
           <a:prstGeom prst="ellipse">
@@ -3125,7 +3125,7 @@
         </p:nvSpPr>
         <p:spPr>
           <a:xfrm>
-            <a:off x="4660766" y="3530381"/>
+            <a:off x="4660766" y="3563039"/>
             <a:ext cx="903355" cy="903355"/>
           </a:xfrm>
           <a:prstGeom prst="ellipse">
@@ -3175,7 +3175,7 @@
         </p:nvSpPr>
         <p:spPr>
           <a:xfrm>
-            <a:off x="3200481" y="1549374"/>
+            <a:off x="3200481" y="1582032"/>
             <a:ext cx="903355" cy="903355"/>
           </a:xfrm>
           <a:prstGeom prst="diamond">
@@ -3236,7 +3236,7 @@
         </p:nvCxnSpPr>
         <p:spPr>
           <a:xfrm>
-            <a:off x="2643550" y="2001052"/>
+            <a:off x="2643550" y="2033710"/>
             <a:ext cx="556931" cy="0"/>
           </a:xfrm>
           <a:prstGeom prst="straightConnector1">
@@ -3279,7 +3279,7 @@
         </p:nvCxnSpPr>
         <p:spPr>
           <a:xfrm>
-            <a:off x="4103836" y="2001052"/>
+            <a:off x="4103836" y="2033710"/>
             <a:ext cx="556931" cy="0"/>
           </a:xfrm>
           <a:prstGeom prst="straightConnector1">
@@ -3318,7 +3318,7 @@
         </p:nvSpPr>
         <p:spPr>
           <a:xfrm>
-            <a:off x="3946581" y="1666140"/>
+            <a:off x="3946581" y="1698798"/>
             <a:ext cx="314509" cy="307777"/>
           </a:xfrm>
           <a:prstGeom prst="rect">
@@ -3363,7 +3363,7 @@
         </p:nvSpPr>
         <p:spPr>
           <a:xfrm>
-            <a:off x="3371443" y="2354754"/>
+            <a:off x="3371443" y="2387412"/>
             <a:ext cx="290464" cy="307777"/>
           </a:xfrm>
           <a:prstGeom prst="rect">
@@ -3412,7 +3412,7 @@
         </p:nvCxnSpPr>
         <p:spPr>
           <a:xfrm rot="16200000" flipH="1">
-            <a:off x="4055610" y="3376903"/>
+            <a:off x="4055610" y="3409561"/>
             <a:ext cx="201432" cy="1008880"/>
           </a:xfrm>
           <a:prstGeom prst="bentConnector2">
@@ -3451,7 +3451,7 @@
         </p:nvSpPr>
         <p:spPr>
           <a:xfrm>
-            <a:off x="2643550" y="2011936"/>
+            <a:off x="2643550" y="2044594"/>
             <a:ext cx="543740" cy="307777"/>
           </a:xfrm>
           <a:prstGeom prst="rect">
@@ -3505,7 +3505,7 @@
         </p:nvSpPr>
         <p:spPr>
           <a:xfrm>
-            <a:off x="4035134" y="2011936"/>
+            <a:off x="4035134" y="2044594"/>
             <a:ext cx="543740" cy="307777"/>
           </a:xfrm>
           <a:prstGeom prst="rect">
@@ -3559,7 +3559,7 @@
         </p:nvSpPr>
         <p:spPr>
           <a:xfrm>
-            <a:off x="2586960" y="3024614"/>
+            <a:off x="2586960" y="3057272"/>
             <a:ext cx="543740" cy="307777"/>
           </a:xfrm>
           <a:prstGeom prst="rect">
@@ -3613,7 +3613,7 @@
         </p:nvSpPr>
         <p:spPr>
           <a:xfrm>
-            <a:off x="6125957" y="1560258"/>
+            <a:off x="6125957" y="1592916"/>
             <a:ext cx="903355" cy="903355"/>
           </a:xfrm>
           <a:prstGeom prst="diamond">
@@ -3679,7 +3679,7 @@
         </p:nvCxnSpPr>
         <p:spPr>
           <a:xfrm>
-            <a:off x="5564122" y="2001052"/>
+            <a:off x="5564122" y="2033710"/>
             <a:ext cx="561835" cy="10884"/>
           </a:xfrm>
           <a:prstGeom prst="straightConnector1">
@@ -3722,7 +3722,7 @@
         </p:nvCxnSpPr>
         <p:spPr>
           <a:xfrm rot="5400000">
-            <a:off x="5970162" y="3374586"/>
+            <a:off x="5970162" y="3407244"/>
             <a:ext cx="201432" cy="1013514"/>
           </a:xfrm>
           <a:prstGeom prst="bentConnector2">
@@ -3761,7 +3761,7 @@
         </p:nvSpPr>
         <p:spPr>
           <a:xfrm>
-            <a:off x="5594544" y="4000836"/>
+            <a:off x="5594544" y="4033494"/>
             <a:ext cx="723275" cy="307777"/>
           </a:xfrm>
           <a:prstGeom prst="rect">
@@ -3818,7 +3818,7 @@
         </p:nvCxnSpPr>
         <p:spPr>
           <a:xfrm flipV="1">
-            <a:off x="5112444" y="2452729"/>
+            <a:off x="5112444" y="2485387"/>
             <a:ext cx="1" cy="1077652"/>
           </a:xfrm>
           <a:prstGeom prst="straightConnector1">
@@ -3857,7 +3857,7 @@
         </p:nvSpPr>
         <p:spPr>
           <a:xfrm>
-            <a:off x="4444597" y="2650321"/>
+            <a:off x="4444597" y="2682979"/>
             <a:ext cx="723275" cy="738664"/>
           </a:xfrm>
           <a:prstGeom prst="rect">
@@ -3970,7 +3970,7 @@
         </p:nvSpPr>
         <p:spPr>
           <a:xfrm>
-            <a:off x="8212710" y="1560258"/>
+            <a:off x="8212710" y="1592916"/>
             <a:ext cx="903355" cy="903355"/>
           </a:xfrm>
           <a:prstGeom prst="ellipse">
@@ -4023,7 +4023,7 @@
         </p:nvCxnSpPr>
         <p:spPr>
           <a:xfrm>
-            <a:off x="7029312" y="2011936"/>
+            <a:off x="7029312" y="2044594"/>
             <a:ext cx="1183398" cy="0"/>
           </a:xfrm>
           <a:prstGeom prst="straightConnector1">
@@ -4066,12 +4066,12 @@
         </p:nvCxnSpPr>
         <p:spPr>
           <a:xfrm rot="16200000" flipV="1">
-            <a:off x="5422689" y="-1681442"/>
+            <a:off x="5422689" y="-1648784"/>
             <a:ext cx="10884" cy="6472515"/>
           </a:xfrm>
           <a:prstGeom prst="bentConnector3">
             <a:avLst>
-              <a:gd name="adj1" fmla="val 2200331"/>
+              <a:gd name="adj1" fmla="val 4900799"/>
             </a:avLst>
           </a:prstGeom>
           <a:ln>
@@ -4107,7 +4107,7 @@
         </p:nvSpPr>
         <p:spPr>
           <a:xfrm>
-            <a:off x="4840573" y="1014646"/>
+            <a:off x="5142258" y="806706"/>
             <a:ext cx="543740" cy="307777"/>
           </a:xfrm>
           <a:prstGeom prst="rect">
@@ -4165,7 +4165,7 @@
         </p:nvCxnSpPr>
         <p:spPr>
           <a:xfrm rot="5400000" flipH="1" flipV="1">
-            <a:off x="5903354" y="1672703"/>
+            <a:off x="5903354" y="1705361"/>
             <a:ext cx="1970123" cy="3551944"/>
           </a:xfrm>
           <a:prstGeom prst="bentConnector3">
@@ -4206,7 +4206,7 @@
         </p:nvSpPr>
         <p:spPr>
           <a:xfrm>
-            <a:off x="5801620" y="4675820"/>
+            <a:off x="5801620" y="4708478"/>
             <a:ext cx="1552028" cy="307777"/>
           </a:xfrm>
           <a:prstGeom prst="rect">
@@ -4294,7 +4294,7 @@
         </p:nvSpPr>
         <p:spPr>
           <a:xfrm>
-            <a:off x="6284770" y="2354754"/>
+            <a:off x="6284770" y="2387412"/>
             <a:ext cx="314509" cy="307777"/>
           </a:xfrm>
           <a:prstGeom prst="rect">
@@ -4339,7 +4339,7 @@
         </p:nvSpPr>
         <p:spPr>
           <a:xfrm>
-            <a:off x="6879176" y="1666140"/>
+            <a:off x="6879176" y="1698798"/>
             <a:ext cx="290464" cy="307777"/>
           </a:xfrm>
           <a:prstGeom prst="rect">
@@ -4384,7 +4384,7 @@
         </p:nvSpPr>
         <p:spPr>
           <a:xfrm>
-            <a:off x="372335" y="2072322"/>
+            <a:off x="372335" y="2104980"/>
             <a:ext cx="902811" cy="523220"/>
           </a:xfrm>
           <a:prstGeom prst="rect">
@@ -4440,7 +4440,7 @@
         </p:nvCxnSpPr>
         <p:spPr>
           <a:xfrm>
-            <a:off x="1282194" y="1673159"/>
+            <a:off x="1282194" y="1705817"/>
             <a:ext cx="590294" cy="8508"/>
           </a:xfrm>
           <a:prstGeom prst="straightConnector1">
@@ -4480,7 +4480,7 @@
         </p:nvSpPr>
         <p:spPr>
           <a:xfrm>
-            <a:off x="566717" y="5058524"/>
+            <a:off x="566717" y="5091182"/>
             <a:ext cx="8024313" cy="1569660"/>
           </a:xfrm>
           <a:prstGeom prst="rect">
@@ -4915,7 +4915,7 @@
         </p:nvSpPr>
         <p:spPr>
           <a:xfrm>
-            <a:off x="3200208" y="2877272"/>
+            <a:off x="3200208" y="2909930"/>
             <a:ext cx="903355" cy="903355"/>
           </a:xfrm>
           <a:prstGeom prst="diamond">
@@ -4972,7 +4972,7 @@
         </p:nvSpPr>
         <p:spPr>
           <a:xfrm>
-            <a:off x="3358284" y="3666502"/>
+            <a:off x="3358284" y="3699160"/>
             <a:ext cx="314509" cy="307777"/>
           </a:xfrm>
           <a:prstGeom prst="rect">
@@ -5017,7 +5017,7 @@
         </p:nvSpPr>
         <p:spPr>
           <a:xfrm>
-            <a:off x="3054975" y="3079555"/>
+            <a:off x="3054975" y="3112213"/>
             <a:ext cx="290464" cy="307777"/>
           </a:xfrm>
           <a:prstGeom prst="rect">
@@ -5062,7 +5062,7 @@
         </p:nvSpPr>
         <p:spPr>
           <a:xfrm>
-            <a:off x="6125957" y="2877272"/>
+            <a:off x="6125957" y="2909930"/>
             <a:ext cx="903355" cy="903355"/>
           </a:xfrm>
           <a:prstGeom prst="diamond">
@@ -5119,7 +5119,7 @@
         </p:nvSpPr>
         <p:spPr>
           <a:xfrm>
-            <a:off x="6317819" y="3666502"/>
+            <a:off x="6317819" y="3699160"/>
             <a:ext cx="314509" cy="307777"/>
           </a:xfrm>
           <a:prstGeom prst="rect">
@@ -5164,7 +5164,7 @@
         </p:nvSpPr>
         <p:spPr>
           <a:xfrm>
-            <a:off x="6879176" y="3059191"/>
+            <a:off x="6879176" y="3091849"/>
             <a:ext cx="290464" cy="307777"/>
           </a:xfrm>
           <a:prstGeom prst="rect">
@@ -5209,7 +5209,7 @@
         </p:nvSpPr>
         <p:spPr>
           <a:xfrm>
-            <a:off x="7385756" y="2878818"/>
+            <a:off x="7385756" y="2911476"/>
             <a:ext cx="903355" cy="903355"/>
           </a:xfrm>
           <a:prstGeom prst="rect">
@@ -5277,7 +5277,7 @@
         </p:nvCxnSpPr>
         <p:spPr>
           <a:xfrm>
-            <a:off x="7029312" y="3328950"/>
+            <a:off x="7029312" y="3361608"/>
             <a:ext cx="356444" cy="1546"/>
           </a:xfrm>
           <a:prstGeom prst="straightConnector1">
@@ -5323,7 +5323,7 @@
         </p:nvCxnSpPr>
         <p:spPr>
           <a:xfrm rot="16200000" flipV="1">
-            <a:off x="7206762" y="2248145"/>
+            <a:off x="7206762" y="2280803"/>
             <a:ext cx="1546" cy="1259799"/>
           </a:xfrm>
           <a:prstGeom prst="bentConnector3">
@@ -5367,7 +5367,7 @@
         </p:nvSpPr>
         <p:spPr>
           <a:xfrm>
-            <a:off x="7077230" y="2018571"/>
+            <a:off x="7077230" y="2051229"/>
             <a:ext cx="1082349" cy="307777"/>
           </a:xfrm>
           <a:prstGeom prst="rect">
@@ -5421,7 +5421,7 @@
         </p:nvSpPr>
         <p:spPr>
           <a:xfrm>
-            <a:off x="5300668" y="2026074"/>
+            <a:off x="5300668" y="2058732"/>
             <a:ext cx="1082348" cy="738664"/>
           </a:xfrm>
           <a:prstGeom prst="rect">
@@ -5531,7 +5531,7 @@
         </p:nvCxnSpPr>
         <p:spPr>
           <a:xfrm>
-            <a:off x="6577635" y="2463613"/>
+            <a:off x="6577635" y="2496271"/>
             <a:ext cx="0" cy="413659"/>
           </a:xfrm>
           <a:prstGeom prst="straightConnector1">
@@ -5574,7 +5574,7 @@
         </p:nvCxnSpPr>
         <p:spPr>
           <a:xfrm flipH="1">
-            <a:off x="3651886" y="2452729"/>
+            <a:off x="3651886" y="2485387"/>
             <a:ext cx="273" cy="424543"/>
           </a:xfrm>
           <a:prstGeom prst="straightConnector1">
@@ -5617,7 +5617,7 @@
         </p:nvCxnSpPr>
         <p:spPr>
           <a:xfrm flipH="1">
-            <a:off x="2642714" y="3328950"/>
+            <a:off x="2642714" y="3361608"/>
             <a:ext cx="557494" cy="0"/>
           </a:xfrm>
           <a:prstGeom prst="straightConnector1">
@@ -5663,7 +5663,7 @@
         </p:nvCxnSpPr>
         <p:spPr>
           <a:xfrm flipV="1">
-            <a:off x="2191037" y="2452729"/>
+            <a:off x="2191037" y="2485387"/>
             <a:ext cx="836" cy="424543"/>
           </a:xfrm>
           <a:prstGeom prst="straightConnector1">
@@ -5705,7 +5705,7 @@
         </p:nvSpPr>
         <p:spPr>
           <a:xfrm>
-            <a:off x="1733463" y="4045234"/>
+            <a:off x="1733463" y="4077892"/>
             <a:ext cx="903355" cy="903355"/>
           </a:xfrm>
           <a:prstGeom prst="rect">
@@ -5769,7 +5769,7 @@
         </p:nvSpPr>
         <p:spPr>
           <a:xfrm>
-            <a:off x="1739359" y="2877272"/>
+            <a:off x="1739359" y="2909930"/>
             <a:ext cx="903355" cy="903355"/>
           </a:xfrm>
           <a:prstGeom prst="diamond">
@@ -5831,7 +5831,7 @@
         </p:nvCxnSpPr>
         <p:spPr>
           <a:xfrm flipH="1">
-            <a:off x="2185141" y="3780627"/>
+            <a:off x="2185141" y="3813285"/>
             <a:ext cx="5896" cy="264607"/>
           </a:xfrm>
           <a:prstGeom prst="straightConnector1">
@@ -5873,7 +5873,7 @@
         </p:nvSpPr>
         <p:spPr>
           <a:xfrm>
-            <a:off x="3179063" y="2569495"/>
+            <a:off x="3179063" y="2602153"/>
             <a:ext cx="543740" cy="307777"/>
           </a:xfrm>
           <a:prstGeom prst="rect">
@@ -5927,7 +5927,7 @@
         </p:nvSpPr>
         <p:spPr>
           <a:xfrm>
-            <a:off x="3845157" y="3958824"/>
+            <a:off x="3845157" y="3991482"/>
             <a:ext cx="543740" cy="307777"/>
           </a:xfrm>
           <a:prstGeom prst="rect">
@@ -5985,7 +5985,7 @@
         </p:nvCxnSpPr>
         <p:spPr>
           <a:xfrm flipV="1">
-            <a:off x="2636818" y="3328950"/>
+            <a:off x="2636818" y="3361608"/>
             <a:ext cx="5896" cy="1167962"/>
           </a:xfrm>
           <a:prstGeom prst="bentConnector3">
@@ -6029,7 +6029,7 @@
         </p:nvSpPr>
         <p:spPr>
           <a:xfrm>
-            <a:off x="1911310" y="2701798"/>
+            <a:off x="1911310" y="2734456"/>
             <a:ext cx="314509" cy="307777"/>
           </a:xfrm>
           <a:prstGeom prst="rect">
@@ -6074,7 +6074,7 @@
         </p:nvSpPr>
         <p:spPr>
           <a:xfrm>
-            <a:off x="1924394" y="3647794"/>
+            <a:off x="1924394" y="3680452"/>
             <a:ext cx="290464" cy="307777"/>
           </a:xfrm>
           <a:prstGeom prst="rect">
@@ -6123,7 +6123,7 @@
         </p:nvCxnSpPr>
         <p:spPr>
           <a:xfrm flipH="1">
-            <a:off x="1275146" y="2320436"/>
+            <a:off x="1275146" y="2353094"/>
             <a:ext cx="597342" cy="13496"/>
           </a:xfrm>
           <a:prstGeom prst="straightConnector1">
@@ -6163,7 +6163,7 @@
         </p:nvSpPr>
         <p:spPr>
           <a:xfrm>
-            <a:off x="6555809" y="2378357"/>
+            <a:off x="6555809" y="2411015"/>
             <a:ext cx="723275" cy="307777"/>
           </a:xfrm>
           <a:prstGeom prst="rect">
@@ -6200,6 +6200,100 @@
                 <a:srgbClr val="0070C0"/>
               </a:solidFill>
             </a:endParaRPr>
+          </a:p>
+        </p:txBody>
+      </p:sp>
+      <p:sp>
+        <p:nvSpPr>
+          <p:cNvPr id="97" name="호 96">
+            <a:extLst>
+              <a:ext uri="{FF2B5EF4-FFF2-40B4-BE49-F238E27FC236}">
+                <a16:creationId xmlns:a16="http://schemas.microsoft.com/office/drawing/2014/main" id="{B8EF9993-DD1F-EB79-58E3-7A4A17599069}"/>
+              </a:ext>
+            </a:extLst>
+          </p:cNvPr>
+          <p:cNvSpPr/>
+          <p:nvPr/>
+        </p:nvSpPr>
+        <p:spPr>
+          <a:xfrm>
+            <a:off x="5252750" y="1292377"/>
+            <a:ext cx="543741" cy="543741"/>
+          </a:xfrm>
+          <a:prstGeom prst="arc">
+            <a:avLst>
+              <a:gd name="adj1" fmla="val 10920886"/>
+              <a:gd name="adj2" fmla="val 5210438"/>
+            </a:avLst>
+          </a:prstGeom>
+          <a:ln>
+            <a:headEnd type="none" w="med" len="med"/>
+            <a:tailEnd type="triangle" w="med" len="med"/>
+          </a:ln>
+        </p:spPr>
+        <p:style>
+          <a:lnRef idx="2">
+            <a:schemeClr val="accent1"/>
+          </a:lnRef>
+          <a:fillRef idx="0">
+            <a:schemeClr val="accent1"/>
+          </a:fillRef>
+          <a:effectRef idx="1">
+            <a:schemeClr val="accent1"/>
+          </a:effectRef>
+          <a:fontRef idx="minor">
+            <a:schemeClr val="tx1"/>
+          </a:fontRef>
+        </p:style>
+        <p:txBody>
+          <a:bodyPr rtlCol="0" anchor="ctr"/>
+          <a:lstStyle/>
+          <a:p>
+            <a:pPr algn="ctr"/>
+            <a:r>
+              <a:rPr kumimoji="1" lang="ko-KR" altLang="en-US" sz="1200" i="1" dirty="0"/>
+              <a:t>대기</a:t>
+            </a:r>
+          </a:p>
+        </p:txBody>
+      </p:sp>
+      <p:sp>
+        <p:nvSpPr>
+          <p:cNvPr id="98" name="TextBox 97">
+            <a:extLst>
+              <a:ext uri="{FF2B5EF4-FFF2-40B4-BE49-F238E27FC236}">
+                <a16:creationId xmlns:a16="http://schemas.microsoft.com/office/drawing/2014/main" id="{0240B58D-EA3E-5A5A-4F41-FFA5CE123A4F}"/>
+              </a:ext>
+            </a:extLst>
+          </p:cNvPr>
+          <p:cNvSpPr txBox="1"/>
+          <p:nvPr/>
+        </p:nvSpPr>
+        <p:spPr>
+          <a:xfrm>
+            <a:off x="5685998" y="1226819"/>
+            <a:ext cx="1119216" cy="307777"/>
+          </a:xfrm>
+          <a:prstGeom prst="rect">
+            <a:avLst/>
+          </a:prstGeom>
+          <a:noFill/>
+        </p:spPr>
+        <p:txBody>
+          <a:bodyPr wrap="none" rtlCol="0">
+            <a:spAutoFit/>
+          </a:bodyPr>
+          <a:lstStyle/>
+          <a:p>
+            <a:pPr algn="ctr"/>
+            <a:r>
+              <a:rPr kumimoji="1" lang="ko-KR" altLang="en-US" sz="1400" b="1" dirty="0">
+                <a:solidFill>
+                  <a:srgbClr val="C00000"/>
+                </a:solidFill>
+              </a:rPr>
+              <a:t>분석가 결정</a:t>
+            </a:r>
           </a:p>
         </p:txBody>
       </p:sp>

--- a/허종원/Process and Status.pptx
+++ b/허종원/Process and Status.pptx
@@ -211,7 +211,7 @@
             <a:fld id="{B38DDC64-668F-D042-B324-08EA36C7985F}" type="datetimeFigureOut">
               <a:rPr kumimoji="1" lang="ko-KR" altLang="en-US" smtClean="0"/>
               <a:pPr/>
-              <a:t>2024. 7. 26.</a:t>
+              <a:t>2024. 7. 30.</a:t>
             </a:fld>
             <a:endParaRPr kumimoji="1" lang="ko-KR" altLang="en-US"/>
           </a:p>
@@ -1016,7 +1016,7 @@
           <a:p>
             <a:fld id="{4C02D1D0-8AF1-3E45-93D9-439A94A54636}" type="datetime1">
               <a:rPr kumimoji="1" lang="ko-KR" altLang="en-US" smtClean="0"/>
-              <a:t>2024. 7. 26.</a:t>
+              <a:t>2024. 7. 30.</a:t>
             </a:fld>
             <a:endParaRPr kumimoji="1" lang="ko-KR" altLang="en-US"/>
           </a:p>
@@ -1180,7 +1180,7 @@
           <a:p>
             <a:fld id="{720AD815-E37C-AE42-93B2-164338F0BC3F}" type="datetime1">
               <a:rPr kumimoji="1" lang="ko-KR" altLang="en-US" smtClean="0"/>
-              <a:t>2024. 7. 26.</a:t>
+              <a:t>2024. 7. 30.</a:t>
             </a:fld>
             <a:endParaRPr kumimoji="1" lang="ko-KR" altLang="en-US"/>
           </a:p>
@@ -1624,7 +1624,7 @@
           <a:p>
             <a:fld id="{88B8D1EA-1598-7043-B817-80BCE13AFAD2}" type="datetime1">
               <a:rPr kumimoji="1" lang="ko-KR" altLang="en-US" smtClean="0"/>
-              <a:t>2024. 7. 26.</a:t>
+              <a:t>2024. 7. 30.</a:t>
             </a:fld>
             <a:endParaRPr kumimoji="1" lang="ko-KR" altLang="en-US"/>
           </a:p>
@@ -1810,7 +1810,7 @@
           <a:p>
             <a:fld id="{786698EA-A4F8-7C46-A602-CDCF30245E83}" type="datetime1">
               <a:rPr kumimoji="1" lang="ko-KR" altLang="en-US" smtClean="0"/>
-              <a:t>2024. 7. 26.</a:t>
+              <a:t>2024. 7. 30.</a:t>
             </a:fld>
             <a:endParaRPr kumimoji="1" lang="ko-KR" altLang="en-US"/>
           </a:p>
@@ -1996,7 +1996,7 @@
           <a:p>
             <a:fld id="{DEE90C36-D53C-6E45-965A-C6C77E76656E}" type="datetime1">
               <a:rPr kumimoji="1" lang="ko-KR" altLang="en-US" smtClean="0"/>
-              <a:t>2024. 7. 26.</a:t>
+              <a:t>2024. 7. 30.</a:t>
             </a:fld>
             <a:endParaRPr kumimoji="1" lang="ko-KR" altLang="en-US"/>
           </a:p>
@@ -7810,7 +7810,7 @@
           <p:nvPr>
             <p:extLst>
               <p:ext uri="{D42A27DB-BD31-4B8C-83A1-F6EECF244321}">
-                <p14:modId xmlns:p14="http://schemas.microsoft.com/office/powerpoint/2010/main" val="1306518260"/>
+                <p14:modId xmlns:p14="http://schemas.microsoft.com/office/powerpoint/2010/main" val="2213913414"/>
               </p:ext>
             </p:extLst>
           </p:nvPr>
@@ -7997,7 +7997,7 @@
                       <a:pPr algn="ctr" latinLnBrk="1"/>
                       <a:r>
                         <a:rPr lang="en-US" altLang="ko-KR" sz="1400" dirty="0"/>
-                        <a:t>Status 7</a:t>
+                        <a:t>Reservation</a:t>
                       </a:r>
                       <a:endParaRPr lang="ko-KR" altLang="en-US" sz="1400" dirty="0"/>
                     </a:p>
@@ -8205,8 +8205,12 @@
                     <a:p>
                       <a:pPr algn="ctr" latinLnBrk="1"/>
                       <a:r>
+                        <a:rPr lang="en-US" altLang="ko-KR" sz="1400" dirty="0" err="1"/>
+                        <a:t>Reserver</a:t>
+                      </a:r>
+                      <a:r>
                         <a:rPr lang="en-US" altLang="ko-KR" sz="1400" dirty="0"/>
-                        <a:t>Reserved</a:t>
+                        <a:t> ID</a:t>
                       </a:r>
                       <a:endParaRPr lang="ko-KR" altLang="en-US" sz="1400" dirty="0"/>
                     </a:p>
@@ -8331,8 +8335,12 @@
                     <a:p>
                       <a:pPr algn="ctr" latinLnBrk="1"/>
                       <a:r>
+                        <a:rPr lang="en-US" altLang="ko-KR" sz="1400" dirty="0" err="1"/>
+                        <a:t>Reserver</a:t>
+                      </a:r>
+                      <a:r>
                         <a:rPr lang="en-US" altLang="ko-KR" sz="1400" dirty="0"/>
-                        <a:t>Reserved</a:t>
+                        <a:t> ID</a:t>
                       </a:r>
                       <a:endParaRPr lang="ko-KR" altLang="en-US" sz="1400" dirty="0"/>
                     </a:p>
@@ -8473,8 +8481,12 @@
                     <a:p>
                       <a:pPr algn="ctr" latinLnBrk="1"/>
                       <a:r>
+                        <a:rPr lang="en-US" altLang="ko-KR" sz="1400" dirty="0" err="1"/>
+                        <a:t>Reserver</a:t>
+                      </a:r>
+                      <a:r>
                         <a:rPr lang="en-US" altLang="ko-KR" sz="1400" dirty="0"/>
-                        <a:t>Reserved</a:t>
+                        <a:t> ID</a:t>
                       </a:r>
                       <a:endParaRPr lang="ko-KR" altLang="en-US" sz="1400" dirty="0"/>
                     </a:p>
@@ -8616,8 +8628,12 @@
                     <a:p>
                       <a:pPr algn="ctr" latinLnBrk="1"/>
                       <a:r>
+                        <a:rPr lang="en-US" altLang="ko-KR" sz="1400" dirty="0" err="1"/>
+                        <a:t>Reserver</a:t>
+                      </a:r>
+                      <a:r>
                         <a:rPr lang="en-US" altLang="ko-KR" sz="1400" dirty="0"/>
-                        <a:t>Reserved</a:t>
+                        <a:t> ID</a:t>
                       </a:r>
                       <a:endParaRPr lang="ko-KR" altLang="en-US" sz="1400" dirty="0"/>
                     </a:p>
@@ -8758,8 +8774,12 @@
                     <a:p>
                       <a:pPr algn="ctr" latinLnBrk="1"/>
                       <a:r>
+                        <a:rPr lang="en-US" altLang="ko-KR" sz="1400" dirty="0" err="1"/>
+                        <a:t>Reserver</a:t>
+                      </a:r>
+                      <a:r>
                         <a:rPr lang="en-US" altLang="ko-KR" sz="1400" dirty="0"/>
-                        <a:t>Reserved</a:t>
+                        <a:t> ID</a:t>
                       </a:r>
                       <a:endParaRPr lang="ko-KR" altLang="en-US" sz="1400" dirty="0"/>
                     </a:p>
@@ -8901,8 +8921,12 @@
                     <a:p>
                       <a:pPr algn="ctr" latinLnBrk="1"/>
                       <a:r>
+                        <a:rPr lang="en-US" altLang="ko-KR" sz="1400" dirty="0" err="1"/>
+                        <a:t>Reserver</a:t>
+                      </a:r>
+                      <a:r>
                         <a:rPr lang="en-US" altLang="ko-KR" sz="1400" dirty="0"/>
-                        <a:t>Reserved</a:t>
+                        <a:t> ID</a:t>
                       </a:r>
                       <a:endParaRPr lang="ko-KR" altLang="en-US" sz="1400" dirty="0"/>
                     </a:p>
@@ -8963,6 +8987,66 @@
               <a:rPr kumimoji="1" lang="ko-KR" altLang="en-US" dirty="0"/>
               <a:t>이 될 가능성은 낮음</a:t>
             </a:r>
+          </a:p>
+        </p:txBody>
+      </p:sp>
+      <p:sp>
+        <p:nvSpPr>
+          <p:cNvPr id="5" name="TextBox 4">
+            <a:extLst>
+              <a:ext uri="{FF2B5EF4-FFF2-40B4-BE49-F238E27FC236}">
+                <a16:creationId xmlns:a16="http://schemas.microsoft.com/office/drawing/2014/main" id="{53472472-AD87-CE97-F278-43628008133E}"/>
+              </a:ext>
+            </a:extLst>
+          </p:cNvPr>
+          <p:cNvSpPr txBox="1"/>
+          <p:nvPr/>
+        </p:nvSpPr>
+        <p:spPr>
+          <a:xfrm>
+            <a:off x="7928086" y="3997748"/>
+            <a:ext cx="1977914" cy="646331"/>
+          </a:xfrm>
+          <a:prstGeom prst="rect">
+            <a:avLst/>
+          </a:prstGeom>
+          <a:noFill/>
+        </p:spPr>
+        <p:txBody>
+          <a:bodyPr wrap="none" rtlCol="0">
+            <a:spAutoFit/>
+          </a:bodyPr>
+          <a:lstStyle/>
+          <a:p>
+            <a:pPr algn="ctr"/>
+            <a:r>
+              <a:rPr kumimoji="1" lang="en-US" altLang="ko-KR" b="1" i="1" dirty="0">
+                <a:solidFill>
+                  <a:srgbClr val="FF0000"/>
+                </a:solidFill>
+              </a:rPr>
+              <a:t>If No Reservation</a:t>
+            </a:r>
+            <a:br>
+              <a:rPr kumimoji="1" lang="en-US" altLang="ko-KR" b="1" i="1" dirty="0">
+                <a:solidFill>
+                  <a:srgbClr val="FF0000"/>
+                </a:solidFill>
+              </a:rPr>
+            </a:br>
+            <a:r>
+              <a:rPr kumimoji="1" lang="en-US" altLang="ko-KR" b="1" i="1" dirty="0">
+                <a:solidFill>
+                  <a:srgbClr val="FF0000"/>
+                </a:solidFill>
+              </a:rPr>
+              <a:t>then NULL</a:t>
+            </a:r>
+            <a:endParaRPr kumimoji="1" lang="ko-KR" altLang="en-US" b="1" i="1" dirty="0">
+              <a:solidFill>
+                <a:srgbClr val="FF0000"/>
+              </a:solidFill>
+            </a:endParaRPr>
           </a:p>
         </p:txBody>
       </p:sp>
